--- a/Presentaciones/jsf_curso_c4.pptx
+++ b/Presentaciones/jsf_curso_c4.pptx
@@ -9575,7 +9575,6 @@
               <a:rPr lang="es-ES" sz="2800" b="1" dirty="0" smtClean="0"/>
               <a:t>javax.faces.convert.Converter</a:t>
             </a:r>
-            <a:endParaRPr lang="es-ES" sz="2800" b="1" dirty="0" smtClean="0"/>
           </a:p>
           <a:p>
             <a:pPr lvl="1"/>
@@ -9847,7 +9846,6 @@
               <a:rPr lang="es-ES" dirty="0" smtClean="0"/>
               <a:t>Value</a:t>
             </a:r>
-            <a:endParaRPr lang="es-ES" dirty="0" smtClean="0"/>
           </a:p>
           <a:p>
             <a:pPr lvl="1"/>
@@ -9933,11 +9931,7 @@
           <a:p>
             <a:r>
               <a:rPr lang="es-ES" dirty="0" smtClean="0"/>
-              <a:t>Convertidor- </a:t>
-            </a:r>
-            <a:r>
-              <a:rPr lang="es-ES" dirty="0" smtClean="0"/>
-              <a:t>LifeCycle</a:t>
+              <a:t>Convertidor- LifeCycle</a:t>
             </a:r>
             <a:endParaRPr lang="es-ES" dirty="0"/>
           </a:p>
@@ -9967,29 +9961,15 @@
           <a:p>
             <a:r>
               <a:rPr lang="es-ES" dirty="0" smtClean="0"/>
-              <a:t>Restore</a:t>
-            </a:r>
-            <a:r>
-              <a:rPr lang="es-ES" dirty="0" smtClean="0"/>
-              <a:t> View </a:t>
-            </a:r>
-            <a:r>
-              <a:rPr lang="es-ES" dirty="0" smtClean="0"/>
-              <a:t>Phase</a:t>
-            </a:r>
-            <a:endParaRPr lang="es-ES" dirty="0" smtClean="0"/>
+              <a:t>Restore View Phase</a:t>
+            </a:r>
           </a:p>
           <a:p>
             <a:pPr lvl="1"/>
             <a:r>
               <a:rPr lang="es-ES" dirty="0" smtClean="0"/>
-              <a:t>Se restablece o crea el Objeto </a:t>
-            </a:r>
-            <a:r>
-              <a:rPr lang="es-ES" dirty="0" smtClean="0"/>
-              <a:t>UIViewRoot</a:t>
-            </a:r>
-            <a:endParaRPr lang="es-ES" dirty="0" smtClean="0"/>
+              <a:t>Se restablece o crea el Objeto UIViewRoot</a:t>
+            </a:r>
           </a:p>
           <a:p>
             <a:pPr lvl="1"/>
@@ -9998,25 +9978,8 @@
           <a:p>
             <a:r>
               <a:rPr lang="es-ES" dirty="0" smtClean="0"/>
-              <a:t>Apply</a:t>
-            </a:r>
-            <a:r>
-              <a:rPr lang="es-ES" dirty="0" smtClean="0"/>
-              <a:t> Request </a:t>
-            </a:r>
-            <a:r>
-              <a:rPr lang="es-ES" dirty="0" smtClean="0"/>
-              <a:t>Values</a:t>
-            </a:r>
-            <a:r>
-              <a:rPr lang="es-ES" dirty="0" smtClean="0"/>
-              <a:t> </a:t>
-            </a:r>
-            <a:r>
-              <a:rPr lang="es-ES" dirty="0" smtClean="0"/>
-              <a:t>Phase</a:t>
-            </a:r>
-            <a:endParaRPr lang="es-ES" dirty="0" smtClean="0"/>
+              <a:t>Apply Request Values Phase</a:t>
+            </a:r>
           </a:p>
           <a:p>
             <a:pPr lvl="1"/>
@@ -10038,8 +10001,11 @@
                   </a:schemeClr>
                 </a:solidFill>
               </a:rPr>
-              <a:t>Process</a:t>
-            </a:r>
+              <a:t>Process Validation Phase</a:t>
+            </a:r>
+          </a:p>
+          <a:p>
+            <a:pPr lvl="1"/>
             <a:r>
               <a:rPr lang="es-ES" dirty="0" smtClean="0">
                 <a:solidFill>
@@ -10048,97 +10014,7 @@
                   </a:schemeClr>
                 </a:solidFill>
               </a:rPr>
-              <a:t> </a:t>
-            </a:r>
-            <a:r>
-              <a:rPr lang="es-ES" dirty="0" smtClean="0">
-                <a:solidFill>
-                  <a:schemeClr val="accent2">
-                    <a:lumMod val="75000"/>
-                  </a:schemeClr>
-                </a:solidFill>
-              </a:rPr>
-              <a:t>Validation</a:t>
-            </a:r>
-            <a:r>
-              <a:rPr lang="es-ES" dirty="0" smtClean="0">
-                <a:solidFill>
-                  <a:schemeClr val="accent2">
-                    <a:lumMod val="75000"/>
-                  </a:schemeClr>
-                </a:solidFill>
-              </a:rPr>
-              <a:t> </a:t>
-            </a:r>
-            <a:r>
-              <a:rPr lang="es-ES" dirty="0" smtClean="0">
-                <a:solidFill>
-                  <a:schemeClr val="accent2">
-                    <a:lumMod val="75000"/>
-                  </a:schemeClr>
-                </a:solidFill>
-              </a:rPr>
-              <a:t>Phase</a:t>
-            </a:r>
-            <a:endParaRPr lang="es-ES" dirty="0" smtClean="0">
-              <a:solidFill>
-                <a:schemeClr val="accent2">
-                  <a:lumMod val="75000"/>
-                </a:schemeClr>
-              </a:solidFill>
-            </a:endParaRPr>
-          </a:p>
-          <a:p>
-            <a:pPr lvl="1"/>
-            <a:r>
-              <a:rPr lang="es-ES" dirty="0" smtClean="0">
-                <a:solidFill>
-                  <a:schemeClr val="accent2">
-                    <a:lumMod val="75000"/>
-                  </a:schemeClr>
-                </a:solidFill>
-              </a:rPr>
-              <a:t>Se invoca el </a:t>
-            </a:r>
-            <a:r>
-              <a:rPr lang="es-ES" dirty="0" smtClean="0">
-                <a:solidFill>
-                  <a:schemeClr val="accent2">
-                    <a:lumMod val="75000"/>
-                  </a:schemeClr>
-                </a:solidFill>
-              </a:rPr>
-              <a:t>método </a:t>
-            </a:r>
-            <a:r>
-              <a:rPr lang="es-ES" dirty="0" smtClean="0">
-                <a:solidFill>
-                  <a:schemeClr val="accent2">
-                    <a:lumMod val="75000"/>
-                  </a:schemeClr>
-                </a:solidFill>
-              </a:rPr>
-              <a:t>getAsObject</a:t>
-            </a:r>
-            <a:r>
-              <a:rPr lang="es-ES" dirty="0" smtClean="0">
-                <a:solidFill>
-                  <a:schemeClr val="accent2">
-                    <a:lumMod val="75000"/>
-                  </a:schemeClr>
-                </a:solidFill>
-              </a:rPr>
-              <a:t> de cada </a:t>
-            </a:r>
-            <a:r>
-              <a:rPr lang="es-ES" dirty="0" smtClean="0">
-                <a:solidFill>
-                  <a:schemeClr val="accent2">
-                    <a:lumMod val="75000"/>
-                  </a:schemeClr>
-                </a:solidFill>
-              </a:rPr>
-              <a:t>Convertidor</a:t>
+              <a:t>Se invoca el método getAsObject de cada Convertidor</a:t>
             </a:r>
             <a:endParaRPr lang="es-ES" dirty="0">
               <a:solidFill>
@@ -10212,11 +10088,7 @@
           <a:p>
             <a:r>
               <a:rPr lang="es-ES" dirty="0" smtClean="0"/>
-              <a:t>Convertidores- </a:t>
-            </a:r>
-            <a:r>
-              <a:rPr lang="es-ES" dirty="0" smtClean="0"/>
-              <a:t>LifeCycle</a:t>
+              <a:t>Convertidores- LifeCycle</a:t>
             </a:r>
             <a:endParaRPr lang="es-ES" dirty="0"/>
           </a:p>
@@ -10246,47 +10118,14 @@
           <a:p>
             <a:r>
               <a:rPr lang="es-ES" dirty="0" smtClean="0"/>
-              <a:t>Update</a:t>
-            </a:r>
-            <a:r>
-              <a:rPr lang="es-ES" dirty="0" smtClean="0"/>
-              <a:t> </a:t>
-            </a:r>
-            <a:r>
-              <a:rPr lang="es-ES" dirty="0" smtClean="0"/>
-              <a:t>Model</a:t>
-            </a:r>
-            <a:r>
-              <a:rPr lang="es-ES" dirty="0" smtClean="0"/>
-              <a:t> </a:t>
-            </a:r>
-            <a:r>
-              <a:rPr lang="es-ES" dirty="0" smtClean="0"/>
-              <a:t>Values</a:t>
-            </a:r>
-            <a:r>
-              <a:rPr lang="es-ES" dirty="0" smtClean="0"/>
-              <a:t> </a:t>
-            </a:r>
-            <a:r>
-              <a:rPr lang="es-ES" dirty="0" smtClean="0"/>
-              <a:t>Phase</a:t>
-            </a:r>
-            <a:endParaRPr lang="es-ES" dirty="0" smtClean="0"/>
+              <a:t>Update Model Values Phase</a:t>
+            </a:r>
           </a:p>
           <a:p>
             <a:pPr lvl="1"/>
             <a:r>
               <a:rPr lang="es-ES" dirty="0" smtClean="0"/>
-              <a:t>Los valores convertidos se actualizan en las propiedades de los </a:t>
-            </a:r>
-            <a:r>
-              <a:rPr lang="es-ES" dirty="0" smtClean="0"/>
-              <a:t>Backing</a:t>
-            </a:r>
-            <a:r>
-              <a:rPr lang="es-ES" dirty="0" smtClean="0"/>
-              <a:t> Beans asociados.</a:t>
+              <a:t>Los valores convertidos se actualizan en las propiedades de los Backing Beans asociados.</a:t>
             </a:r>
           </a:p>
           <a:p>
@@ -10296,25 +10135,8 @@
           <a:p>
             <a:r>
               <a:rPr lang="es-ES" dirty="0" smtClean="0"/>
-              <a:t>Invoke</a:t>
-            </a:r>
-            <a:r>
-              <a:rPr lang="es-ES" dirty="0" smtClean="0"/>
-              <a:t> </a:t>
-            </a:r>
-            <a:r>
-              <a:rPr lang="es-ES" dirty="0" smtClean="0"/>
-              <a:t>Application</a:t>
-            </a:r>
-            <a:r>
-              <a:rPr lang="es-ES" dirty="0" smtClean="0"/>
-              <a:t> </a:t>
-            </a:r>
-            <a:r>
-              <a:rPr lang="es-ES" dirty="0" smtClean="0"/>
-              <a:t>Phase</a:t>
-            </a:r>
-            <a:endParaRPr lang="es-ES" dirty="0" smtClean="0"/>
+              <a:t>Invoke Application Phase</a:t>
+            </a:r>
           </a:p>
           <a:p>
             <a:pPr lvl="1"/>
@@ -10336,8 +10158,11 @@
                   </a:schemeClr>
                 </a:solidFill>
               </a:rPr>
-              <a:t>Render</a:t>
-            </a:r>
+              <a:t>Render Response Phase</a:t>
+            </a:r>
+          </a:p>
+          <a:p>
+            <a:pPr lvl="1"/>
             <a:r>
               <a:rPr lang="es-ES" dirty="0" smtClean="0">
                 <a:solidFill>
@@ -10346,77 +10171,7 @@
                   </a:schemeClr>
                 </a:solidFill>
               </a:rPr>
-              <a:t> Response </a:t>
-            </a:r>
-            <a:r>
-              <a:rPr lang="es-ES" dirty="0" smtClean="0">
-                <a:solidFill>
-                  <a:schemeClr val="accent2">
-                    <a:lumMod val="75000"/>
-                  </a:schemeClr>
-                </a:solidFill>
-              </a:rPr>
-              <a:t>Phase</a:t>
-            </a:r>
-            <a:endParaRPr lang="es-ES" dirty="0" smtClean="0">
-              <a:solidFill>
-                <a:schemeClr val="accent2">
-                  <a:lumMod val="75000"/>
-                </a:schemeClr>
-              </a:solidFill>
-            </a:endParaRPr>
-          </a:p>
-          <a:p>
-            <a:pPr lvl="1"/>
-            <a:r>
-              <a:rPr lang="es-ES" dirty="0" smtClean="0">
-                <a:solidFill>
-                  <a:schemeClr val="accent2">
-                    <a:lumMod val="75000"/>
-                  </a:schemeClr>
-                </a:solidFill>
-              </a:rPr>
-              <a:t>Los valores de los </a:t>
-            </a:r>
-            <a:r>
-              <a:rPr lang="es-ES" dirty="0" smtClean="0">
-                <a:solidFill>
-                  <a:schemeClr val="accent2">
-                    <a:lumMod val="75000"/>
-                  </a:schemeClr>
-                </a:solidFill>
-              </a:rPr>
-              <a:t>Backing</a:t>
-            </a:r>
-            <a:r>
-              <a:rPr lang="es-ES" dirty="0" smtClean="0">
-                <a:solidFill>
-                  <a:schemeClr val="accent2">
-                    <a:lumMod val="75000"/>
-                  </a:schemeClr>
-                </a:solidFill>
-              </a:rPr>
-              <a:t> Beans son convertidos invocando el método </a:t>
-            </a:r>
-            <a:r>
-              <a:rPr lang="es-ES" dirty="0" smtClean="0">
-                <a:solidFill>
-                  <a:schemeClr val="accent2">
-                    <a:lumMod val="75000"/>
-                  </a:schemeClr>
-                </a:solidFill>
-              </a:rPr>
-              <a:t>getAsString</a:t>
-            </a:r>
-            <a:r>
-              <a:rPr lang="es-ES" dirty="0" smtClean="0">
-                <a:solidFill>
-                  <a:schemeClr val="accent2">
-                    <a:lumMod val="75000"/>
-                  </a:schemeClr>
-                </a:solidFill>
-              </a:rPr>
-              <a:t> de cada Convertidor.</a:t>
+              <a:t>Los valores de los Backing Beans son convertidos invocando el método getAsString de cada Convertidor.</a:t>
             </a:r>
             <a:endParaRPr lang="es-ES" dirty="0">
               <a:solidFill>
@@ -10791,13 +10546,8 @@
             <a:pPr lvl="1"/>
             <a:r>
               <a:rPr lang="es-ES" sz="2400" dirty="0" smtClean="0"/>
-              <a:t>Crear una clase para el Convertidor que implemente la interfaz </a:t>
-            </a:r>
-            <a:r>
-              <a:rPr lang="es-ES" sz="2400" dirty="0" smtClean="0"/>
-              <a:t>javax.faces.convert.Converter</a:t>
-            </a:r>
-            <a:endParaRPr lang="es-ES" sz="2400" dirty="0" smtClean="0"/>
+              <a:t>Crear una clase para el Convertidor que implemente la interfaz javax.faces.convert.Converter</a:t>
+            </a:r>
           </a:p>
           <a:p>
             <a:pPr lvl="1"/>
@@ -10807,11 +10557,7 @@
             <a:pPr lvl="1"/>
             <a:r>
               <a:rPr lang="es-ES" sz="2400" dirty="0" smtClean="0"/>
-              <a:t>Implementar los métodos </a:t>
-            </a:r>
-            <a:r>
-              <a:rPr lang="es-ES" sz="2400" dirty="0" smtClean="0"/>
-              <a:t>getAsString</a:t>
+              <a:t>Implementar los métodos getAsString</a:t>
             </a:r>
             <a:r>
               <a:rPr lang="es-ES" sz="2400" dirty="0"/>
@@ -10819,13 +10565,8 @@
             </a:r>
             <a:r>
               <a:rPr lang="es-ES" sz="2400" dirty="0" smtClean="0"/>
-              <a:t>y </a:t>
-            </a:r>
-            <a:r>
-              <a:rPr lang="es-ES" sz="2400" dirty="0" smtClean="0"/>
-              <a:t>getAsObject</a:t>
-            </a:r>
-            <a:endParaRPr lang="es-ES" sz="2400" dirty="0" smtClean="0"/>
+              <a:t>y getAsObject</a:t>
+            </a:r>
           </a:p>
           <a:p>
             <a:pPr lvl="1"/>
@@ -10842,15 +10583,7 @@
             <a:pPr lvl="2"/>
             <a:r>
               <a:rPr lang="es-ES" sz="2000" dirty="0" smtClean="0"/>
-              <a:t>Declarando el Convertidor en el archivo faces-config.xml o anotando la clase con @</a:t>
-            </a:r>
-            <a:r>
-              <a:rPr lang="es-ES" sz="2000" dirty="0" smtClean="0"/>
-              <a:t>FacesConverter</a:t>
-            </a:r>
-            <a:r>
-              <a:rPr lang="es-ES" sz="2000" dirty="0" smtClean="0"/>
-              <a:t> (JSF 2.0+)</a:t>
+              <a:t>Declarando el Convertidor en el archivo faces-config.xml o anotando la clase con @FacesConverter (JSF 2.0+)</a:t>
             </a:r>
             <a:endParaRPr lang="es-ES" sz="2000" dirty="0"/>
           </a:p>
@@ -11197,23 +10930,7 @@
             <a:pPr lvl="1"/>
             <a:r>
               <a:rPr lang="es-ES" dirty="0" smtClean="0"/>
-              <a:t>Se asocian automáticamente por el tipo de Objeto al cual se esta referenciando el </a:t>
-            </a:r>
-            <a:r>
-              <a:rPr lang="es-ES" dirty="0" smtClean="0"/>
-              <a:t>Backing</a:t>
-            </a:r>
-            <a:r>
-              <a:rPr lang="es-ES" dirty="0" smtClean="0"/>
-              <a:t> </a:t>
-            </a:r>
-            <a:r>
-              <a:rPr lang="es-ES" dirty="0" smtClean="0"/>
-              <a:t>Bean</a:t>
-            </a:r>
-            <a:r>
-              <a:rPr lang="es-ES" dirty="0" smtClean="0"/>
-              <a:t>.</a:t>
+              <a:t>Se asocian automáticamente por el tipo de Objeto al cual se esta referenciando el Backing Bean.</a:t>
             </a:r>
           </a:p>
           <a:p>
@@ -11230,15 +10947,7 @@
             <a:pPr lvl="1"/>
             <a:r>
               <a:rPr lang="es-ES" dirty="0" smtClean="0"/>
-              <a:t>Se asocian manualmente a cada componente utilizando etiquetas en el </a:t>
-            </a:r>
-            <a:r>
-              <a:rPr lang="es-ES" dirty="0" smtClean="0"/>
-              <a:t>markup</a:t>
-            </a:r>
-            <a:r>
-              <a:rPr lang="es-ES" dirty="0" smtClean="0"/>
-              <a:t> o programáticamente.</a:t>
+              <a:t>Se asocian manualmente a cada componente utilizando etiquetas en el markup o programáticamente.</a:t>
             </a:r>
           </a:p>
           <a:p>
@@ -11508,6 +11217,13 @@
   <p:clrMapOvr>
     <a:masterClrMapping/>
   </p:clrMapOvr>
+  <p:timing>
+    <p:tnLst>
+      <p:par>
+        <p:cTn id="1" dur="indefinite" restart="never" nodeType="tmRoot"/>
+      </p:par>
+    </p:tnLst>
+  </p:timing>
 </p:sld>
 </file>
 
@@ -11704,6 +11420,13 @@
   <p:clrMapOvr>
     <a:masterClrMapping/>
   </p:clrMapOvr>
+  <p:timing>
+    <p:tnLst>
+      <p:par>
+        <p:cTn id="1" dur="indefinite" restart="never" nodeType="tmRoot"/>
+      </p:par>
+    </p:tnLst>
+  </p:timing>
 </p:sld>
 </file>
 
@@ -11872,11 +11595,7 @@
           <a:p>
             <a:r>
               <a:rPr lang="es-ES" dirty="0" smtClean="0"/>
-              <a:t>Convertidor: </a:t>
-            </a:r>
-            <a:r>
-              <a:rPr lang="es-ES" dirty="0" smtClean="0"/>
-              <a:t>NumberConverter</a:t>
+              <a:t>Convertidor: NumberConverter</a:t>
             </a:r>
             <a:endParaRPr lang="es-ES" dirty="0"/>
           </a:p>
@@ -11903,11 +11622,7 @@
             </a:r>
             <a:r>
               <a:rPr lang="es-ES" dirty="0" smtClean="0"/>
-              <a:t>Number</a:t>
-            </a:r>
-            <a:r>
-              <a:rPr lang="es-ES" dirty="0" smtClean="0"/>
-              <a:t> y </a:t>
+              <a:t>Number y </a:t>
             </a:r>
             <a:r>
               <a:rPr lang="es-ES" dirty="0"/>
@@ -11937,11 +11652,7 @@
             <a:pPr lvl="1"/>
             <a:r>
               <a:rPr lang="es-ES" dirty="0"/>
-              <a:t>Tag</a:t>
-            </a:r>
-            <a:r>
-              <a:rPr lang="es-ES" dirty="0"/>
-              <a:t> especifico </a:t>
+              <a:t>Tag especifico </a:t>
             </a:r>
             <a:r>
               <a:rPr lang="es-ES" b="1" dirty="0" smtClean="0"/>
@@ -12009,6 +11720,13 @@
   <p:clrMapOvr>
     <a:masterClrMapping/>
   </p:clrMapOvr>
+  <p:timing>
+    <p:tnLst>
+      <p:par>
+        <p:cTn id="1" dur="indefinite" restart="never" nodeType="tmRoot"/>
+      </p:par>
+    </p:tnLst>
+  </p:timing>
 </p:sld>
 </file>
 
@@ -12046,11 +11764,7 @@
           <a:p>
             <a:r>
               <a:rPr lang="es-ES" dirty="0" smtClean="0"/>
-              <a:t>Convertidor: </a:t>
-            </a:r>
-            <a:r>
-              <a:rPr lang="es-ES" dirty="0" smtClean="0"/>
-              <a:t>DateConverter</a:t>
+              <a:t>Convertidor: DateConverter</a:t>
             </a:r>
             <a:endParaRPr lang="es-ES" dirty="0"/>
           </a:p>
@@ -12090,7 +11804,6 @@
               <a:rPr lang="es-ES" dirty="0" smtClean="0"/>
               <a:t>java.util.Date</a:t>
             </a:r>
-            <a:endParaRPr lang="es-ES" dirty="0" smtClean="0"/>
           </a:p>
           <a:p>
             <a:pPr lvl="1"/>
@@ -12103,11 +11816,7 @@
             <a:pPr lvl="1"/>
             <a:r>
               <a:rPr lang="es-ES" dirty="0" smtClean="0"/>
-              <a:t>Tag</a:t>
-            </a:r>
-            <a:r>
-              <a:rPr lang="es-ES" dirty="0" smtClean="0"/>
-              <a:t> especifico </a:t>
+              <a:t>Tag especifico </a:t>
             </a:r>
             <a:r>
               <a:rPr lang="es-ES" b="1" dirty="0" smtClean="0"/>
@@ -12187,6 +11896,13 @@
   <p:clrMapOvr>
     <a:masterClrMapping/>
   </p:clrMapOvr>
+  <p:timing>
+    <p:tnLst>
+      <p:par>
+        <p:cTn id="1" dur="indefinite" restart="never" nodeType="tmRoot"/>
+      </p:par>
+    </p:tnLst>
+  </p:timing>
 </p:sld>
 </file>
 
@@ -12254,15 +11970,7 @@
           <a:p>
             <a:r>
               <a:rPr lang="es-ES" dirty="0" smtClean="0"/>
-              <a:t>Validan la </a:t>
-            </a:r>
-            <a:r>
-              <a:rPr lang="es-ES" dirty="0" smtClean="0"/>
-              <a:t>correctitud</a:t>
-            </a:r>
-            <a:r>
-              <a:rPr lang="es-ES" dirty="0" smtClean="0"/>
-              <a:t> de los valores de cada componente al cual estén asociados.</a:t>
+              <a:t>Validan la correctitud de los valores de cada componente al cual estén asociados.</a:t>
             </a:r>
           </a:p>
           <a:p>
@@ -12364,11 +12072,7 @@
           <a:p>
             <a:r>
               <a:rPr lang="es-ES" dirty="0" smtClean="0"/>
-              <a:t>Validadores- </a:t>
-            </a:r>
-            <a:r>
-              <a:rPr lang="es-ES" dirty="0" smtClean="0"/>
-              <a:t>LifeCycle</a:t>
+              <a:t>Validadores- LifeCycle</a:t>
             </a:r>
             <a:endParaRPr lang="es-ES" dirty="0"/>
           </a:p>
@@ -12398,29 +12102,15 @@
           <a:p>
             <a:r>
               <a:rPr lang="es-ES" dirty="0" smtClean="0"/>
-              <a:t>Restore</a:t>
-            </a:r>
-            <a:r>
-              <a:rPr lang="es-ES" dirty="0" smtClean="0"/>
-              <a:t> View </a:t>
-            </a:r>
-            <a:r>
-              <a:rPr lang="es-ES" dirty="0" smtClean="0"/>
-              <a:t>Phase</a:t>
-            </a:r>
-            <a:endParaRPr lang="es-ES" dirty="0" smtClean="0"/>
+              <a:t>Restore View Phase</a:t>
+            </a:r>
           </a:p>
           <a:p>
             <a:pPr lvl="1"/>
             <a:r>
               <a:rPr lang="es-ES" dirty="0" smtClean="0"/>
-              <a:t>Se restablece o crea el Objeto </a:t>
-            </a:r>
-            <a:r>
-              <a:rPr lang="es-ES" dirty="0" smtClean="0"/>
-              <a:t>UIViewRoot</a:t>
-            </a:r>
-            <a:endParaRPr lang="es-ES" dirty="0" smtClean="0"/>
+              <a:t>Se restablece o crea el Objeto UIViewRoot</a:t>
+            </a:r>
           </a:p>
           <a:p>
             <a:pPr lvl="1"/>
@@ -12429,25 +12119,8 @@
           <a:p>
             <a:r>
               <a:rPr lang="es-ES" dirty="0" smtClean="0"/>
-              <a:t>Apply</a:t>
-            </a:r>
-            <a:r>
-              <a:rPr lang="es-ES" dirty="0" smtClean="0"/>
-              <a:t> Request </a:t>
-            </a:r>
-            <a:r>
-              <a:rPr lang="es-ES" dirty="0" smtClean="0"/>
-              <a:t>Values</a:t>
-            </a:r>
-            <a:r>
-              <a:rPr lang="es-ES" dirty="0" smtClean="0"/>
-              <a:t> </a:t>
-            </a:r>
-            <a:r>
-              <a:rPr lang="es-ES" dirty="0" smtClean="0"/>
-              <a:t>Phase</a:t>
-            </a:r>
-            <a:endParaRPr lang="es-ES" dirty="0" smtClean="0"/>
+              <a:t>Apply Request Values Phase</a:t>
+            </a:r>
           </a:p>
           <a:p>
             <a:pPr lvl="1"/>
@@ -12469,55 +12142,8 @@
                   </a:schemeClr>
                 </a:solidFill>
               </a:rPr>
-              <a:t>Process</a:t>
-            </a:r>
-            <a:r>
-              <a:rPr lang="es-ES" dirty="0" smtClean="0">
-                <a:solidFill>
-                  <a:schemeClr val="accent2">
-                    <a:lumMod val="75000"/>
-                  </a:schemeClr>
-                </a:solidFill>
-              </a:rPr>
-              <a:t> </a:t>
-            </a:r>
-            <a:r>
-              <a:rPr lang="es-ES" dirty="0" smtClean="0">
-                <a:solidFill>
-                  <a:schemeClr val="accent2">
-                    <a:lumMod val="75000"/>
-                  </a:schemeClr>
-                </a:solidFill>
-              </a:rPr>
-              <a:t>Validation</a:t>
-            </a:r>
-            <a:r>
-              <a:rPr lang="es-ES" dirty="0" smtClean="0">
-                <a:solidFill>
-                  <a:schemeClr val="accent2">
-                    <a:lumMod val="75000"/>
-                  </a:schemeClr>
-                </a:solidFill>
-              </a:rPr>
-              <a:t> </a:t>
-            </a:r>
-            <a:r>
-              <a:rPr lang="es-ES" dirty="0" smtClean="0">
-                <a:solidFill>
-                  <a:schemeClr val="accent2">
-                    <a:lumMod val="75000"/>
-                  </a:schemeClr>
-                </a:solidFill>
-              </a:rPr>
-              <a:t>Phase</a:t>
-            </a:r>
-            <a:endParaRPr lang="es-ES" dirty="0" smtClean="0">
-              <a:solidFill>
-                <a:schemeClr val="accent2">
-                  <a:lumMod val="75000"/>
-                </a:schemeClr>
-              </a:solidFill>
-            </a:endParaRPr>
+              <a:t>Process Validation Phase</a:t>
+            </a:r>
           </a:p>
           <a:p>
             <a:pPr lvl="1"/>
@@ -12603,13 +12229,8 @@
           <a:p>
             <a:r>
               <a:rPr lang="es-ES" dirty="0"/>
-              <a:t>Validadores- </a:t>
-            </a:r>
-            <a:r>
-              <a:rPr lang="es-ES" dirty="0"/>
-              <a:t>LifeCycle</a:t>
-            </a:r>
-            <a:endParaRPr lang="es-ES" dirty="0"/>
+              <a:t>Validadores- LifeCycle</a:t>
+            </a:r>
           </a:p>
         </p:txBody>
       </p:sp>
@@ -12637,47 +12258,14 @@
           <a:p>
             <a:r>
               <a:rPr lang="es-ES" dirty="0" smtClean="0"/>
-              <a:t>Update</a:t>
-            </a:r>
-            <a:r>
-              <a:rPr lang="es-ES" dirty="0" smtClean="0"/>
-              <a:t> </a:t>
-            </a:r>
-            <a:r>
-              <a:rPr lang="es-ES" dirty="0" smtClean="0"/>
-              <a:t>Model</a:t>
-            </a:r>
-            <a:r>
-              <a:rPr lang="es-ES" dirty="0" smtClean="0"/>
-              <a:t> </a:t>
-            </a:r>
-            <a:r>
-              <a:rPr lang="es-ES" dirty="0" smtClean="0"/>
-              <a:t>Values</a:t>
-            </a:r>
-            <a:r>
-              <a:rPr lang="es-ES" dirty="0" smtClean="0"/>
-              <a:t> </a:t>
-            </a:r>
-            <a:r>
-              <a:rPr lang="es-ES" dirty="0" smtClean="0"/>
-              <a:t>Phase</a:t>
-            </a:r>
-            <a:endParaRPr lang="es-ES" dirty="0" smtClean="0"/>
+              <a:t>Update Model Values Phase</a:t>
+            </a:r>
           </a:p>
           <a:p>
             <a:pPr lvl="1"/>
             <a:r>
               <a:rPr lang="es-ES" dirty="0" smtClean="0"/>
-              <a:t>Los valores convertidos se actualizan en las propiedades de los </a:t>
-            </a:r>
-            <a:r>
-              <a:rPr lang="es-ES" dirty="0" smtClean="0"/>
-              <a:t>Backing</a:t>
-            </a:r>
-            <a:r>
-              <a:rPr lang="es-ES" dirty="0" smtClean="0"/>
-              <a:t> Beans asociados.</a:t>
+              <a:t>Los valores convertidos se actualizan en las propiedades de los Backing Beans asociados.</a:t>
             </a:r>
           </a:p>
           <a:p>
@@ -12687,25 +12275,8 @@
           <a:p>
             <a:r>
               <a:rPr lang="es-ES" dirty="0" smtClean="0"/>
-              <a:t>Invoke</a:t>
-            </a:r>
-            <a:r>
-              <a:rPr lang="es-ES" dirty="0" smtClean="0"/>
-              <a:t> </a:t>
-            </a:r>
-            <a:r>
-              <a:rPr lang="es-ES" dirty="0" smtClean="0"/>
-              <a:t>Application</a:t>
-            </a:r>
-            <a:r>
-              <a:rPr lang="es-ES" dirty="0" smtClean="0"/>
-              <a:t> </a:t>
-            </a:r>
-            <a:r>
-              <a:rPr lang="es-ES" dirty="0" smtClean="0"/>
-              <a:t>Phase</a:t>
-            </a:r>
-            <a:endParaRPr lang="es-ES" dirty="0" smtClean="0"/>
+              <a:t>Invoke Application Phase</a:t>
+            </a:r>
           </a:p>
           <a:p>
             <a:pPr lvl="1"/>
@@ -12721,39 +12292,14 @@
           <a:p>
             <a:r>
               <a:rPr lang="es-ES" dirty="0"/>
-              <a:t>Render</a:t>
-            </a:r>
+              <a:t>Render Response Phase</a:t>
+            </a:r>
+          </a:p>
+          <a:p>
+            <a:pPr lvl="1"/>
             <a:r>
               <a:rPr lang="es-ES" dirty="0"/>
-              <a:t> Response </a:t>
-            </a:r>
-            <a:r>
-              <a:rPr lang="es-ES" dirty="0"/>
-              <a:t>Phase</a:t>
-            </a:r>
-            <a:endParaRPr lang="es-ES" dirty="0"/>
-          </a:p>
-          <a:p>
-            <a:pPr lvl="1"/>
-            <a:r>
-              <a:rPr lang="es-ES" dirty="0"/>
-              <a:t>Los valores de los </a:t>
-            </a:r>
-            <a:r>
-              <a:rPr lang="es-ES" dirty="0"/>
-              <a:t>Backing</a:t>
-            </a:r>
-            <a:r>
-              <a:rPr lang="es-ES" dirty="0"/>
-              <a:t> Beans son convertidos invocando el método </a:t>
-            </a:r>
-            <a:r>
-              <a:rPr lang="es-ES" dirty="0"/>
-              <a:t>getAsString</a:t>
-            </a:r>
-            <a:r>
-              <a:rPr lang="es-ES" dirty="0"/>
-              <a:t> de cada Convertidor</a:t>
+              <a:t>Los valores de los Backing Beans son convertidos invocando el método getAsString de cada Convertidor</a:t>
             </a:r>
             <a:r>
               <a:rPr lang="es-ES" dirty="0" smtClean="0">
@@ -13147,11 +12693,7 @@
             <a:pPr lvl="1"/>
             <a:r>
               <a:rPr lang="es-ES" dirty="0" smtClean="0"/>
-              <a:t>Y otros como los de Primefaces, etc</a:t>
-            </a:r>
-            <a:r>
-              <a:rPr lang="es-ES" dirty="0" smtClean="0"/>
-              <a:t>.</a:t>
+              <a:t>Y otros como los de Primefaces, etc.</a:t>
             </a:r>
           </a:p>
           <a:p>
@@ -13167,7 +12709,6 @@
               <a:rPr lang="es-ES" dirty="0" smtClean="0"/>
               <a:t>Existen otros que no lo requieren  h:link h:button</a:t>
             </a:r>
-            <a:endParaRPr lang="es-ES" dirty="0" smtClean="0"/>
           </a:p>
           <a:p>
             <a:pPr lvl="1"/>
@@ -13275,11 +12816,7 @@
             <a:pPr lvl="1"/>
             <a:r>
               <a:rPr lang="es-ES" dirty="0" smtClean="0"/>
-              <a:t>LengthValidator</a:t>
-            </a:r>
-            <a:r>
-              <a:rPr lang="es-ES" dirty="0" smtClean="0"/>
-              <a:t> </a:t>
+              <a:t>LengthValidator </a:t>
             </a:r>
           </a:p>
           <a:p>
@@ -13293,32 +12830,19 @@
             <a:pPr lvl="3"/>
             <a:r>
               <a:rPr lang="es-ES" dirty="0" smtClean="0"/>
-              <a:t>Atributos min y </a:t>
-            </a:r>
-            <a:r>
-              <a:rPr lang="es-ES" dirty="0" smtClean="0"/>
-              <a:t>max</a:t>
-            </a:r>
-            <a:r>
-              <a:rPr lang="es-ES" dirty="0" smtClean="0"/>
-              <a:t> que determinan el rango de caracteres permitidos.</a:t>
+              <a:t>Atributos min y max que determinan el rango de caracteres permitidos.</a:t>
             </a:r>
           </a:p>
           <a:p>
             <a:pPr lvl="1"/>
             <a:r>
               <a:rPr lang="es-ES" dirty="0" smtClean="0"/>
-              <a:t>LongRangeValidator</a:t>
-            </a:r>
-            <a:r>
-              <a:rPr lang="es-ES" dirty="0" smtClean="0"/>
-              <a:t> y </a:t>
+              <a:t>LongRangeValidator y </a:t>
             </a:r>
             <a:r>
               <a:rPr lang="es-ES" dirty="0"/>
               <a:t>DoubleRangeValidator</a:t>
             </a:r>
-            <a:endParaRPr lang="es-ES" dirty="0"/>
           </a:p>
           <a:p>
             <a:pPr lvl="2"/>
@@ -13331,23 +12855,7 @@
             <a:pPr lvl="3"/>
             <a:r>
               <a:rPr lang="es-ES" dirty="0" smtClean="0"/>
-              <a:t>Valores deben ser </a:t>
-            </a:r>
-            <a:r>
-              <a:rPr lang="es-ES" dirty="0" smtClean="0"/>
-              <a:t>long</a:t>
-            </a:r>
-            <a:r>
-              <a:rPr lang="es-ES" dirty="0" smtClean="0"/>
-              <a:t> o </a:t>
-            </a:r>
-            <a:r>
-              <a:rPr lang="es-ES" dirty="0" smtClean="0"/>
-              <a:t>double</a:t>
-            </a:r>
-            <a:r>
-              <a:rPr lang="es-ES" dirty="0" smtClean="0"/>
-              <a:t> respectivamente.</a:t>
+              <a:t>Valores deben ser long o double respectivamente.</a:t>
             </a:r>
           </a:p>
           <a:p>
@@ -13356,21 +12864,12 @@
               <a:rPr lang="es-ES" dirty="0" smtClean="0"/>
               <a:t>RegexValidator</a:t>
             </a:r>
-            <a:endParaRPr lang="es-ES" dirty="0" smtClean="0"/>
           </a:p>
           <a:p>
             <a:pPr lvl="2"/>
             <a:r>
               <a:rPr lang="es-ES" dirty="0" smtClean="0"/>
-              <a:t>Valida que el valor del componente cumpla la </a:t>
-            </a:r>
-            <a:r>
-              <a:rPr lang="es-ES" dirty="0" smtClean="0"/>
-              <a:t>expresión </a:t>
-            </a:r>
-            <a:r>
-              <a:rPr lang="es-ES" dirty="0" smtClean="0"/>
-              <a:t>regular definida.</a:t>
+              <a:t>Valida que el valor del componente cumpla la expresión regular definida.</a:t>
             </a:r>
             <a:endParaRPr lang="es-ES" dirty="0"/>
           </a:p>
@@ -13513,7 +13012,6 @@
               <a:rPr lang="es-ES" sz="2400" b="1" dirty="0" smtClean="0"/>
               <a:t>javax.faces.validator.Validator</a:t>
             </a:r>
-            <a:endParaRPr lang="es-ES" sz="2400" b="1" dirty="0" smtClean="0"/>
           </a:p>
           <a:p>
             <a:pPr lvl="1"/>
@@ -13523,15 +13021,7 @@
             <a:pPr lvl="1"/>
             <a:r>
               <a:rPr lang="es-ES" sz="2400" dirty="0" smtClean="0"/>
-              <a:t>Implementar el método </a:t>
-            </a:r>
-            <a:r>
-              <a:rPr lang="es-ES" sz="2400" dirty="0" smtClean="0"/>
-              <a:t>validate</a:t>
-            </a:r>
-            <a:r>
-              <a:rPr lang="es-ES" sz="2400" dirty="0" smtClean="0"/>
-              <a:t>()</a:t>
+              <a:t>Implementar el método validate()</a:t>
             </a:r>
           </a:p>
           <a:p>
@@ -13549,15 +13039,7 @@
             <a:pPr lvl="2"/>
             <a:r>
               <a:rPr lang="es-ES" sz="2000" dirty="0" smtClean="0"/>
-              <a:t>Declarando el Validador en el archivo faces-config.xml o anotando la clase con @</a:t>
-            </a:r>
-            <a:r>
-              <a:rPr lang="es-ES" sz="2000" dirty="0" smtClean="0"/>
-              <a:t>FacesValidator</a:t>
-            </a:r>
-            <a:r>
-              <a:rPr lang="es-ES" sz="2000" dirty="0" smtClean="0"/>
-              <a:t> (JSF 2.0+)</a:t>
+              <a:t>Declarando el Validador en el archivo faces-config.xml o anotando la clase con @FacesValidator (JSF 2.0+)</a:t>
             </a:r>
           </a:p>
           <a:p>
@@ -13572,13 +13054,8 @@
             </a:r>
             <a:r>
               <a:rPr lang="es-ES" dirty="0"/>
-              <a:t>del tipo </a:t>
-            </a:r>
-            <a:r>
-              <a:rPr lang="es-ES" dirty="0"/>
-              <a:t>ValidatorException</a:t>
-            </a:r>
-            <a:endParaRPr lang="es-ES" dirty="0"/>
+              <a:t>del tipo ValidatorException</a:t>
+            </a:r>
           </a:p>
         </p:txBody>
       </p:sp>
@@ -14002,11 +13479,7 @@
             </a:r>
             <a:r>
               <a:rPr lang="es-ES" b="1" dirty="0" smtClean="0"/>
-              <a:t>validator</a:t>
-            </a:r>
-            <a:r>
-              <a:rPr lang="es-ES" b="1" dirty="0" smtClean="0"/>
-              <a:t> </a:t>
+              <a:t>validator </a:t>
             </a:r>
             <a:r>
               <a:rPr lang="es-ES" dirty="0" smtClean="0"/>
@@ -14025,27 +13498,14 @@
             <a:pPr lvl="2"/>
             <a:r>
               <a:rPr lang="es-ES" dirty="0" smtClean="0"/>
-              <a:t>Atributo </a:t>
-            </a:r>
-            <a:r>
-              <a:rPr lang="es-ES" dirty="0" smtClean="0"/>
-              <a:t>required</a:t>
-            </a:r>
-            <a:endParaRPr lang="es-ES" dirty="0" smtClean="0"/>
+              <a:t>Atributo required</a:t>
+            </a:r>
           </a:p>
           <a:p>
             <a:pPr lvl="2"/>
             <a:r>
               <a:rPr lang="es-ES" dirty="0" smtClean="0"/>
-              <a:t>Bean</a:t>
-            </a:r>
-            <a:r>
-              <a:rPr lang="es-ES" dirty="0" smtClean="0"/>
-              <a:t> </a:t>
-            </a:r>
-            <a:r>
-              <a:rPr lang="es-ES" dirty="0" smtClean="0"/>
-              <a:t>Validation</a:t>
+              <a:t>Bean Validation</a:t>
             </a:r>
             <a:endParaRPr lang="es-ES" dirty="0"/>
           </a:p>
@@ -14138,13 +13598,8 @@
           <a:p>
             <a:r>
               <a:rPr lang="es-ES" dirty="0" smtClean="0"/>
-              <a:t>Los mensajes lanzados por los convertidores y validadores del </a:t>
-            </a:r>
-            <a:r>
-              <a:rPr lang="es-ES" dirty="0" smtClean="0"/>
-              <a:t>estándar.</a:t>
-            </a:r>
-            <a:endParaRPr lang="es-ES" dirty="0" smtClean="0"/>
+              <a:t>Los mensajes lanzados por los convertidores y validadores del estándar.</a:t>
+            </a:r>
           </a:p>
           <a:p>
             <a:pPr lvl="1"/>
@@ -14166,7 +13621,6 @@
               <a:rPr lang="es-ES" dirty="0" smtClean="0"/>
               <a:t>converterMessage</a:t>
             </a:r>
-            <a:endParaRPr lang="es-ES" dirty="0" smtClean="0"/>
           </a:p>
           <a:p>
             <a:pPr lvl="2"/>
@@ -14415,15 +13869,7 @@
           <a:p>
             <a:r>
               <a:rPr lang="es-ES" dirty="0" smtClean="0"/>
-              <a:t>Bean</a:t>
-            </a:r>
-            <a:r>
-              <a:rPr lang="es-ES" dirty="0" smtClean="0"/>
-              <a:t> </a:t>
-            </a:r>
-            <a:r>
-              <a:rPr lang="es-ES" dirty="0" smtClean="0"/>
-              <a:t>Validation</a:t>
+              <a:t>Bean Validation</a:t>
             </a:r>
             <a:endParaRPr lang="es-ES" dirty="0"/>
           </a:p>
@@ -14446,19 +13892,7 @@
           <a:p>
             <a:r>
               <a:rPr lang="es-ES" dirty="0" smtClean="0"/>
-              <a:t>Bean</a:t>
-            </a:r>
-            <a:r>
-              <a:rPr lang="es-ES" dirty="0" smtClean="0"/>
-              <a:t> </a:t>
-            </a:r>
-            <a:r>
-              <a:rPr lang="es-ES" dirty="0" smtClean="0"/>
-              <a:t>validation</a:t>
-            </a:r>
-            <a:r>
-              <a:rPr lang="es-ES" dirty="0" smtClean="0"/>
-              <a:t> es parte de JEE y se define en el JSR 303</a:t>
+              <a:t>Bean validation es parte de JEE y se define en el JSR 303</a:t>
             </a:r>
           </a:p>
           <a:p>
@@ -14478,19 +13912,7 @@
           <a:p>
             <a:r>
               <a:rPr lang="es-ES" dirty="0" smtClean="0"/>
-              <a:t>JSF integra las validaciones de </a:t>
-            </a:r>
-            <a:r>
-              <a:rPr lang="es-ES" dirty="0" smtClean="0"/>
-              <a:t>Bean</a:t>
-            </a:r>
-            <a:r>
-              <a:rPr lang="es-ES" dirty="0" smtClean="0"/>
-              <a:t> </a:t>
-            </a:r>
-            <a:r>
-              <a:rPr lang="es-ES" dirty="0" smtClean="0"/>
-              <a:t>Validation</a:t>
+              <a:t>JSF integra las validaciones de Bean Validation</a:t>
             </a:r>
             <a:endParaRPr lang="es-ES" dirty="0"/>
           </a:p>
@@ -14591,19 +14013,19 @@
           <a:p>
             <a:r>
               <a:rPr lang="es-ES" dirty="0" smtClean="0"/>
-              <a:t>Client</a:t>
+              <a:t>Client </a:t>
+            </a:r>
+            <a:r>
+              <a:rPr lang="es-ES" dirty="0" err="1" smtClean="0"/>
+              <a:t>Side</a:t>
             </a:r>
             <a:r>
               <a:rPr lang="es-ES" dirty="0" smtClean="0"/>
               <a:t> </a:t>
             </a:r>
             <a:r>
-              <a:rPr lang="es-ES" dirty="0" smtClean="0"/>
-              <a:t>Side</a:t>
-            </a:r>
-            <a:r>
-              <a:rPr lang="es-ES" dirty="0" smtClean="0"/>
-              <a:t> Validación</a:t>
+              <a:rPr lang="es-ES" dirty="0" err="1" smtClean="0"/>
+              <a:t>Validation</a:t>
             </a:r>
             <a:endParaRPr lang="es-ES" dirty="0"/>
           </a:p>
@@ -14782,24 +14204,15 @@
             <a:pPr lvl="1"/>
             <a:r>
               <a:rPr lang="es-ES" dirty="0" smtClean="0"/>
-              <a:t>From</a:t>
-            </a:r>
-            <a:r>
-              <a:rPr lang="es-ES" dirty="0" smtClean="0"/>
-              <a:t> Action</a:t>
+              <a:t>From Action</a:t>
             </a:r>
           </a:p>
           <a:p>
             <a:pPr lvl="1"/>
             <a:r>
               <a:rPr lang="es-ES" dirty="0" smtClean="0"/>
-              <a:t>Faces </a:t>
-            </a:r>
-            <a:r>
-              <a:rPr lang="es-ES" dirty="0" smtClean="0"/>
-              <a:t>Redirect</a:t>
-            </a:r>
-            <a:endParaRPr lang="es-ES" dirty="0" smtClean="0"/>
+              <a:t>Faces Redirect</a:t>
+            </a:r>
           </a:p>
           <a:p>
             <a:r>
@@ -14811,15 +14224,7 @@
             <a:pPr lvl="1"/>
             <a:r>
               <a:rPr lang="es-ES" dirty="0" smtClean="0"/>
-              <a:t>Estandars</a:t>
-            </a:r>
-            <a:r>
-              <a:rPr lang="es-ES" dirty="0" smtClean="0"/>
-              <a:t> y </a:t>
-            </a:r>
-            <a:r>
-              <a:rPr lang="es-ES" dirty="0" smtClean="0"/>
-              <a:t>Customs</a:t>
+              <a:t>Estandars y Customs</a:t>
             </a:r>
             <a:endParaRPr lang="es-ES" dirty="0"/>
           </a:p>
@@ -14827,43 +14232,14 @@
             <a:pPr lvl="1"/>
             <a:r>
               <a:rPr lang="es-ES" dirty="0" smtClean="0"/>
-              <a:t>Bean</a:t>
-            </a:r>
-            <a:r>
-              <a:rPr lang="es-ES" dirty="0" smtClean="0"/>
-              <a:t> </a:t>
-            </a:r>
-            <a:r>
-              <a:rPr lang="es-ES" dirty="0" smtClean="0"/>
-              <a:t>Validation</a:t>
-            </a:r>
-            <a:endParaRPr lang="es-ES" dirty="0" smtClean="0"/>
+              <a:t>Bean Validation</a:t>
+            </a:r>
           </a:p>
           <a:p>
             <a:pPr lvl="1"/>
             <a:r>
               <a:rPr lang="es-ES" dirty="0" smtClean="0"/>
-              <a:t>Client</a:t>
-            </a:r>
-            <a:r>
-              <a:rPr lang="es-ES" dirty="0" smtClean="0"/>
-              <a:t> </a:t>
-            </a:r>
-            <a:r>
-              <a:rPr lang="es-ES" dirty="0" smtClean="0"/>
-              <a:t>Side</a:t>
-            </a:r>
-            <a:r>
-              <a:rPr lang="es-ES" dirty="0" smtClean="0"/>
-              <a:t> </a:t>
-            </a:r>
-            <a:r>
-              <a:rPr lang="es-ES" dirty="0" smtClean="0"/>
-              <a:t>Validation</a:t>
-            </a:r>
-            <a:r>
-              <a:rPr lang="es-ES" dirty="0" smtClean="0"/>
-              <a:t> (PrimeFaces)</a:t>
+              <a:t>Client Side Validation (PrimeFaces)</a:t>
             </a:r>
           </a:p>
           <a:p>
@@ -15034,13 +14410,8 @@
             <a:pPr lvl="2"/>
             <a:r>
               <a:rPr lang="es-ES" dirty="0" smtClean="0"/>
-              <a:t>Condicionales, Cases, </a:t>
-            </a:r>
-            <a:r>
-              <a:rPr lang="es-ES" dirty="0" smtClean="0"/>
-              <a:t>FromAction</a:t>
-            </a:r>
-            <a:endParaRPr lang="es-ES" dirty="0" smtClean="0"/>
+              <a:t>Condicionales, Cases, FromAction</a:t>
+            </a:r>
           </a:p>
           <a:p>
             <a:pPr lvl="1"/>
@@ -15144,15 +14515,7 @@
             <a:pPr lvl="1"/>
             <a:r>
               <a:rPr lang="es-ES" dirty="0" smtClean="0"/>
-              <a:t>Se hace </a:t>
-            </a:r>
-            <a:r>
-              <a:rPr lang="es-ES" dirty="0" smtClean="0"/>
-              <a:t>click</a:t>
-            </a:r>
-            <a:r>
-              <a:rPr lang="es-ES" dirty="0" smtClean="0"/>
-              <a:t> en un botón  y la pagina seleccionada es siempre la misma.</a:t>
+              <a:t>Se hace click en un botón  y la pagina seleccionada es siempre la misma.</a:t>
             </a:r>
           </a:p>
           <a:p>
@@ -15465,11 +14828,7 @@
           <a:p>
             <a:r>
               <a:rPr lang="es-ES" dirty="0" smtClean="0"/>
-              <a:t>Modelo de Navegación -</a:t>
-            </a:r>
-            <a:r>
-              <a:rPr lang="es-ES" dirty="0" smtClean="0"/>
-              <a:t>OutCome</a:t>
+              <a:t>Modelo de Navegación -OutCome</a:t>
             </a:r>
             <a:endParaRPr lang="es-ES" dirty="0"/>
           </a:p>
@@ -15668,45 +15027,21 @@
             <a:pPr lvl="1"/>
             <a:r>
               <a:rPr lang="es-ES" sz="2400" dirty="0" smtClean="0"/>
-              <a:t>Output: </a:t>
-            </a:r>
+              <a:t>Output: Object a String.</a:t>
+            </a:r>
+          </a:p>
+          <a:p>
+            <a:pPr lvl="1"/>
             <a:r>
               <a:rPr lang="es-ES" sz="2400" dirty="0" smtClean="0"/>
-              <a:t>Object</a:t>
-            </a:r>
+              <a:t>Input: String a Object.</a:t>
+            </a:r>
+          </a:p>
+          <a:p>
+            <a:pPr lvl="1"/>
             <a:r>
               <a:rPr lang="es-ES" sz="2400" dirty="0" smtClean="0"/>
-              <a:t> a String.</a:t>
-            </a:r>
-          </a:p>
-          <a:p>
-            <a:pPr lvl="1"/>
-            <a:r>
-              <a:rPr lang="es-ES" sz="2400" dirty="0" smtClean="0"/>
-              <a:t>Input: String a </a:t>
-            </a:r>
-            <a:r>
-              <a:rPr lang="es-ES" sz="2400" dirty="0" smtClean="0"/>
-              <a:t>Object</a:t>
-            </a:r>
-            <a:r>
-              <a:rPr lang="es-ES" sz="2400" dirty="0" smtClean="0"/>
-              <a:t>.</a:t>
-            </a:r>
-          </a:p>
-          <a:p>
-            <a:pPr lvl="1"/>
-            <a:r>
-              <a:rPr lang="es-ES" sz="2400" dirty="0" smtClean="0"/>
-              <a:t>Implementaciones por defecto para los casos mas comunes. (números, fechas, </a:t>
-            </a:r>
-            <a:r>
-              <a:rPr lang="es-ES" sz="2400" dirty="0" smtClean="0"/>
-              <a:t>etc</a:t>
-            </a:r>
-            <a:r>
-              <a:rPr lang="es-ES" sz="2400" dirty="0" smtClean="0"/>
-              <a:t>)</a:t>
+              <a:t>Implementaciones por defecto para los casos mas comunes. (números, fechas, etc)</a:t>
             </a:r>
           </a:p>
           <a:p>
